--- a/20210119/vizsgaMintaFeladatok.pptx
+++ b/20210119/vizsgaMintaFeladatok.pptx
@@ -165,10 +165,9 @@
           </a:lstStyle>
           <a:p>
             <a:r>
-              <a:rPr lang="hu-HU" smtClean="0"/>
+              <a:rPr lang="hu-HU"/>
               <a:t>Mintacím szerkesztése</a:t>
             </a:r>
-            <a:endParaRPr lang="hu-HU"/>
           </a:p>
         </p:txBody>
       </p:sp>
@@ -230,10 +229,9 @@
           </a:lstStyle>
           <a:p>
             <a:r>
-              <a:rPr lang="hu-HU" smtClean="0"/>
+              <a:rPr lang="hu-HU"/>
               <a:t>Kattintson ide az alcím mintájának szerkesztéséhez</a:t>
             </a:r>
-            <a:endParaRPr lang="hu-HU"/>
           </a:p>
         </p:txBody>
       </p:sp>
@@ -254,7 +252,7 @@
           <a:p>
             <a:fld id="{8E90581F-5849-4393-8E1C-6778FC0C68F2}" type="datetimeFigureOut">
               <a:rPr lang="hu-HU" smtClean="0"/>
-              <a:t>2021. 01. 18.</a:t>
+              <a:t>2021.01.19.</a:t>
             </a:fld>
             <a:endParaRPr lang="hu-HU"/>
           </a:p>
@@ -348,10 +346,9 @@
           <a:lstStyle/>
           <a:p>
             <a:r>
-              <a:rPr lang="hu-HU" smtClean="0"/>
+              <a:rPr lang="hu-HU"/>
               <a:t>Mintacím szerkesztése</a:t>
             </a:r>
-            <a:endParaRPr lang="hu-HU"/>
           </a:p>
         </p:txBody>
       </p:sp>
@@ -372,38 +369,37 @@
           <a:p>
             <a:pPr lvl="0"/>
             <a:r>
-              <a:rPr lang="hu-HU" smtClean="0"/>
+              <a:rPr lang="hu-HU"/>
               <a:t>Mintaszöveg szerkesztése</a:t>
             </a:r>
           </a:p>
           <a:p>
             <a:pPr lvl="1"/>
             <a:r>
-              <a:rPr lang="hu-HU" smtClean="0"/>
+              <a:rPr lang="hu-HU"/>
               <a:t>Második szint</a:t>
             </a:r>
           </a:p>
           <a:p>
             <a:pPr lvl="2"/>
             <a:r>
-              <a:rPr lang="hu-HU" smtClean="0"/>
+              <a:rPr lang="hu-HU"/>
               <a:t>Harmadik szint</a:t>
             </a:r>
           </a:p>
           <a:p>
             <a:pPr lvl="3"/>
             <a:r>
-              <a:rPr lang="hu-HU" smtClean="0"/>
+              <a:rPr lang="hu-HU"/>
               <a:t>Negyedik szint</a:t>
             </a:r>
           </a:p>
           <a:p>
             <a:pPr lvl="4"/>
             <a:r>
-              <a:rPr lang="hu-HU" smtClean="0"/>
+              <a:rPr lang="hu-HU"/>
               <a:t>Ötödik szint</a:t>
             </a:r>
-            <a:endParaRPr lang="hu-HU"/>
           </a:p>
         </p:txBody>
       </p:sp>
@@ -424,7 +420,7 @@
           <a:p>
             <a:fld id="{8E90581F-5849-4393-8E1C-6778FC0C68F2}" type="datetimeFigureOut">
               <a:rPr lang="hu-HU" smtClean="0"/>
-              <a:t>2021. 01. 18.</a:t>
+              <a:t>2021.01.19.</a:t>
             </a:fld>
             <a:endParaRPr lang="hu-HU"/>
           </a:p>
@@ -523,10 +519,9 @@
           <a:lstStyle/>
           <a:p>
             <a:r>
-              <a:rPr lang="hu-HU" smtClean="0"/>
+              <a:rPr lang="hu-HU"/>
               <a:t>Mintacím szerkesztése</a:t>
             </a:r>
-            <a:endParaRPr lang="hu-HU"/>
           </a:p>
         </p:txBody>
       </p:sp>
@@ -552,38 +547,37 @@
           <a:p>
             <a:pPr lvl="0"/>
             <a:r>
-              <a:rPr lang="hu-HU" smtClean="0"/>
+              <a:rPr lang="hu-HU"/>
               <a:t>Mintaszöveg szerkesztése</a:t>
             </a:r>
           </a:p>
           <a:p>
             <a:pPr lvl="1"/>
             <a:r>
-              <a:rPr lang="hu-HU" smtClean="0"/>
+              <a:rPr lang="hu-HU"/>
               <a:t>Második szint</a:t>
             </a:r>
           </a:p>
           <a:p>
             <a:pPr lvl="2"/>
             <a:r>
-              <a:rPr lang="hu-HU" smtClean="0"/>
+              <a:rPr lang="hu-HU"/>
               <a:t>Harmadik szint</a:t>
             </a:r>
           </a:p>
           <a:p>
             <a:pPr lvl="3"/>
             <a:r>
-              <a:rPr lang="hu-HU" smtClean="0"/>
+              <a:rPr lang="hu-HU"/>
               <a:t>Negyedik szint</a:t>
             </a:r>
           </a:p>
           <a:p>
             <a:pPr lvl="4"/>
             <a:r>
-              <a:rPr lang="hu-HU" smtClean="0"/>
+              <a:rPr lang="hu-HU"/>
               <a:t>Ötödik szint</a:t>
             </a:r>
-            <a:endParaRPr lang="hu-HU"/>
           </a:p>
         </p:txBody>
       </p:sp>
@@ -604,7 +598,7 @@
           <a:p>
             <a:fld id="{8E90581F-5849-4393-8E1C-6778FC0C68F2}" type="datetimeFigureOut">
               <a:rPr lang="hu-HU" smtClean="0"/>
-              <a:t>2021. 01. 18.</a:t>
+              <a:t>2021.01.19.</a:t>
             </a:fld>
             <a:endParaRPr lang="hu-HU"/>
           </a:p>
@@ -698,10 +692,9 @@
           <a:lstStyle/>
           <a:p>
             <a:r>
-              <a:rPr lang="hu-HU" smtClean="0"/>
+              <a:rPr lang="hu-HU"/>
               <a:t>Mintacím szerkesztése</a:t>
             </a:r>
-            <a:endParaRPr lang="hu-HU"/>
           </a:p>
         </p:txBody>
       </p:sp>
@@ -722,38 +715,37 @@
           <a:p>
             <a:pPr lvl="0"/>
             <a:r>
-              <a:rPr lang="hu-HU" smtClean="0"/>
+              <a:rPr lang="hu-HU"/>
               <a:t>Mintaszöveg szerkesztése</a:t>
             </a:r>
           </a:p>
           <a:p>
             <a:pPr lvl="1"/>
             <a:r>
-              <a:rPr lang="hu-HU" smtClean="0"/>
+              <a:rPr lang="hu-HU"/>
               <a:t>Második szint</a:t>
             </a:r>
           </a:p>
           <a:p>
             <a:pPr lvl="2"/>
             <a:r>
-              <a:rPr lang="hu-HU" smtClean="0"/>
+              <a:rPr lang="hu-HU"/>
               <a:t>Harmadik szint</a:t>
             </a:r>
           </a:p>
           <a:p>
             <a:pPr lvl="3"/>
             <a:r>
-              <a:rPr lang="hu-HU" smtClean="0"/>
+              <a:rPr lang="hu-HU"/>
               <a:t>Negyedik szint</a:t>
             </a:r>
           </a:p>
           <a:p>
             <a:pPr lvl="4"/>
             <a:r>
-              <a:rPr lang="hu-HU" smtClean="0"/>
+              <a:rPr lang="hu-HU"/>
               <a:t>Ötödik szint</a:t>
             </a:r>
-            <a:endParaRPr lang="hu-HU"/>
           </a:p>
         </p:txBody>
       </p:sp>
@@ -774,7 +766,7 @@
           <a:p>
             <a:fld id="{8E90581F-5849-4393-8E1C-6778FC0C68F2}" type="datetimeFigureOut">
               <a:rPr lang="hu-HU" smtClean="0"/>
-              <a:t>2021. 01. 18.</a:t>
+              <a:t>2021.01.19.</a:t>
             </a:fld>
             <a:endParaRPr lang="hu-HU"/>
           </a:p>
@@ -877,10 +869,9 @@
           </a:lstStyle>
           <a:p>
             <a:r>
-              <a:rPr lang="hu-HU" smtClean="0"/>
+              <a:rPr lang="hu-HU"/>
               <a:t>Mintacím szerkesztése</a:t>
             </a:r>
-            <a:endParaRPr lang="hu-HU"/>
           </a:p>
         </p:txBody>
       </p:sp>
@@ -997,7 +988,7 @@
           <a:p>
             <a:pPr lvl="0"/>
             <a:r>
-              <a:rPr lang="hu-HU" smtClean="0"/>
+              <a:rPr lang="hu-HU"/>
               <a:t>Mintaszöveg szerkesztése</a:t>
             </a:r>
           </a:p>
@@ -1020,7 +1011,7 @@
           <a:p>
             <a:fld id="{8E90581F-5849-4393-8E1C-6778FC0C68F2}" type="datetimeFigureOut">
               <a:rPr lang="hu-HU" smtClean="0"/>
-              <a:t>2021. 01. 18.</a:t>
+              <a:t>2021.01.19.</a:t>
             </a:fld>
             <a:endParaRPr lang="hu-HU"/>
           </a:p>
@@ -1114,10 +1105,9 @@
           <a:lstStyle/>
           <a:p>
             <a:r>
-              <a:rPr lang="hu-HU" smtClean="0"/>
+              <a:rPr lang="hu-HU"/>
               <a:t>Mintacím szerkesztése</a:t>
             </a:r>
-            <a:endParaRPr lang="hu-HU"/>
           </a:p>
         </p:txBody>
       </p:sp>
@@ -1143,38 +1133,37 @@
           <a:p>
             <a:pPr lvl="0"/>
             <a:r>
-              <a:rPr lang="hu-HU" smtClean="0"/>
+              <a:rPr lang="hu-HU"/>
               <a:t>Mintaszöveg szerkesztése</a:t>
             </a:r>
           </a:p>
           <a:p>
             <a:pPr lvl="1"/>
             <a:r>
-              <a:rPr lang="hu-HU" smtClean="0"/>
+              <a:rPr lang="hu-HU"/>
               <a:t>Második szint</a:t>
             </a:r>
           </a:p>
           <a:p>
             <a:pPr lvl="2"/>
             <a:r>
-              <a:rPr lang="hu-HU" smtClean="0"/>
+              <a:rPr lang="hu-HU"/>
               <a:t>Harmadik szint</a:t>
             </a:r>
           </a:p>
           <a:p>
             <a:pPr lvl="3"/>
             <a:r>
-              <a:rPr lang="hu-HU" smtClean="0"/>
+              <a:rPr lang="hu-HU"/>
               <a:t>Negyedik szint</a:t>
             </a:r>
           </a:p>
           <a:p>
             <a:pPr lvl="4"/>
             <a:r>
-              <a:rPr lang="hu-HU" smtClean="0"/>
+              <a:rPr lang="hu-HU"/>
               <a:t>Ötödik szint</a:t>
             </a:r>
-            <a:endParaRPr lang="hu-HU"/>
           </a:p>
         </p:txBody>
       </p:sp>
@@ -1200,38 +1189,37 @@
           <a:p>
             <a:pPr lvl="0"/>
             <a:r>
-              <a:rPr lang="hu-HU" smtClean="0"/>
+              <a:rPr lang="hu-HU"/>
               <a:t>Mintaszöveg szerkesztése</a:t>
             </a:r>
           </a:p>
           <a:p>
             <a:pPr lvl="1"/>
             <a:r>
-              <a:rPr lang="hu-HU" smtClean="0"/>
+              <a:rPr lang="hu-HU"/>
               <a:t>Második szint</a:t>
             </a:r>
           </a:p>
           <a:p>
             <a:pPr lvl="2"/>
             <a:r>
-              <a:rPr lang="hu-HU" smtClean="0"/>
+              <a:rPr lang="hu-HU"/>
               <a:t>Harmadik szint</a:t>
             </a:r>
           </a:p>
           <a:p>
             <a:pPr lvl="3"/>
             <a:r>
-              <a:rPr lang="hu-HU" smtClean="0"/>
+              <a:rPr lang="hu-HU"/>
               <a:t>Negyedik szint</a:t>
             </a:r>
           </a:p>
           <a:p>
             <a:pPr lvl="4"/>
             <a:r>
-              <a:rPr lang="hu-HU" smtClean="0"/>
+              <a:rPr lang="hu-HU"/>
               <a:t>Ötödik szint</a:t>
             </a:r>
-            <a:endParaRPr lang="hu-HU"/>
           </a:p>
         </p:txBody>
       </p:sp>
@@ -1252,7 +1240,7 @@
           <a:p>
             <a:fld id="{8E90581F-5849-4393-8E1C-6778FC0C68F2}" type="datetimeFigureOut">
               <a:rPr lang="hu-HU" smtClean="0"/>
-              <a:t>2021. 01. 18.</a:t>
+              <a:t>2021.01.19.</a:t>
             </a:fld>
             <a:endParaRPr lang="hu-HU"/>
           </a:p>
@@ -1351,10 +1339,9 @@
           <a:lstStyle/>
           <a:p>
             <a:r>
-              <a:rPr lang="hu-HU" smtClean="0"/>
+              <a:rPr lang="hu-HU"/>
               <a:t>Mintacím szerkesztése</a:t>
             </a:r>
-            <a:endParaRPr lang="hu-HU"/>
           </a:p>
         </p:txBody>
       </p:sp>
@@ -1417,7 +1404,7 @@
           <a:p>
             <a:pPr lvl="0"/>
             <a:r>
-              <a:rPr lang="hu-HU" smtClean="0"/>
+              <a:rPr lang="hu-HU"/>
               <a:t>Mintaszöveg szerkesztése</a:t>
             </a:r>
           </a:p>
@@ -1445,38 +1432,37 @@
           <a:p>
             <a:pPr lvl="0"/>
             <a:r>
-              <a:rPr lang="hu-HU" smtClean="0"/>
+              <a:rPr lang="hu-HU"/>
               <a:t>Mintaszöveg szerkesztése</a:t>
             </a:r>
           </a:p>
           <a:p>
             <a:pPr lvl="1"/>
             <a:r>
-              <a:rPr lang="hu-HU" smtClean="0"/>
+              <a:rPr lang="hu-HU"/>
               <a:t>Második szint</a:t>
             </a:r>
           </a:p>
           <a:p>
             <a:pPr lvl="2"/>
             <a:r>
-              <a:rPr lang="hu-HU" smtClean="0"/>
+              <a:rPr lang="hu-HU"/>
               <a:t>Harmadik szint</a:t>
             </a:r>
           </a:p>
           <a:p>
             <a:pPr lvl="3"/>
             <a:r>
-              <a:rPr lang="hu-HU" smtClean="0"/>
+              <a:rPr lang="hu-HU"/>
               <a:t>Negyedik szint</a:t>
             </a:r>
           </a:p>
           <a:p>
             <a:pPr lvl="4"/>
             <a:r>
-              <a:rPr lang="hu-HU" smtClean="0"/>
+              <a:rPr lang="hu-HU"/>
               <a:t>Ötödik szint</a:t>
             </a:r>
-            <a:endParaRPr lang="hu-HU"/>
           </a:p>
         </p:txBody>
       </p:sp>
@@ -1539,7 +1525,7 @@
           <a:p>
             <a:pPr lvl="0"/>
             <a:r>
-              <a:rPr lang="hu-HU" smtClean="0"/>
+              <a:rPr lang="hu-HU"/>
               <a:t>Mintaszöveg szerkesztése</a:t>
             </a:r>
           </a:p>
@@ -1567,38 +1553,37 @@
           <a:p>
             <a:pPr lvl="0"/>
             <a:r>
-              <a:rPr lang="hu-HU" smtClean="0"/>
+              <a:rPr lang="hu-HU"/>
               <a:t>Mintaszöveg szerkesztése</a:t>
             </a:r>
           </a:p>
           <a:p>
             <a:pPr lvl="1"/>
             <a:r>
-              <a:rPr lang="hu-HU" smtClean="0"/>
+              <a:rPr lang="hu-HU"/>
               <a:t>Második szint</a:t>
             </a:r>
           </a:p>
           <a:p>
             <a:pPr lvl="2"/>
             <a:r>
-              <a:rPr lang="hu-HU" smtClean="0"/>
+              <a:rPr lang="hu-HU"/>
               <a:t>Harmadik szint</a:t>
             </a:r>
           </a:p>
           <a:p>
             <a:pPr lvl="3"/>
             <a:r>
-              <a:rPr lang="hu-HU" smtClean="0"/>
+              <a:rPr lang="hu-HU"/>
               <a:t>Negyedik szint</a:t>
             </a:r>
           </a:p>
           <a:p>
             <a:pPr lvl="4"/>
             <a:r>
-              <a:rPr lang="hu-HU" smtClean="0"/>
+              <a:rPr lang="hu-HU"/>
               <a:t>Ötödik szint</a:t>
             </a:r>
-            <a:endParaRPr lang="hu-HU"/>
           </a:p>
         </p:txBody>
       </p:sp>
@@ -1619,7 +1604,7 @@
           <a:p>
             <a:fld id="{8E90581F-5849-4393-8E1C-6778FC0C68F2}" type="datetimeFigureOut">
               <a:rPr lang="hu-HU" smtClean="0"/>
-              <a:t>2021. 01. 18.</a:t>
+              <a:t>2021.01.19.</a:t>
             </a:fld>
             <a:endParaRPr lang="hu-HU"/>
           </a:p>
@@ -1713,10 +1698,9 @@
           <a:lstStyle/>
           <a:p>
             <a:r>
-              <a:rPr lang="hu-HU" smtClean="0"/>
+              <a:rPr lang="hu-HU"/>
               <a:t>Mintacím szerkesztése</a:t>
             </a:r>
-            <a:endParaRPr lang="hu-HU"/>
           </a:p>
         </p:txBody>
       </p:sp>
@@ -1737,7 +1721,7 @@
           <a:p>
             <a:fld id="{8E90581F-5849-4393-8E1C-6778FC0C68F2}" type="datetimeFigureOut">
               <a:rPr lang="hu-HU" smtClean="0"/>
-              <a:t>2021. 01. 18.</a:t>
+              <a:t>2021.01.19.</a:t>
             </a:fld>
             <a:endParaRPr lang="hu-HU"/>
           </a:p>
@@ -1832,7 +1816,7 @@
           <a:p>
             <a:fld id="{8E90581F-5849-4393-8E1C-6778FC0C68F2}" type="datetimeFigureOut">
               <a:rPr lang="hu-HU" smtClean="0"/>
-              <a:t>2021. 01. 18.</a:t>
+              <a:t>2021.01.19.</a:t>
             </a:fld>
             <a:endParaRPr lang="hu-HU"/>
           </a:p>
@@ -1935,10 +1919,9 @@
           </a:lstStyle>
           <a:p>
             <a:r>
-              <a:rPr lang="hu-HU" smtClean="0"/>
+              <a:rPr lang="hu-HU"/>
               <a:t>Mintacím szerkesztése</a:t>
             </a:r>
-            <a:endParaRPr lang="hu-HU"/>
           </a:p>
         </p:txBody>
       </p:sp>
@@ -1992,38 +1975,37 @@
           <a:p>
             <a:pPr lvl="0"/>
             <a:r>
-              <a:rPr lang="hu-HU" smtClean="0"/>
+              <a:rPr lang="hu-HU"/>
               <a:t>Mintaszöveg szerkesztése</a:t>
             </a:r>
           </a:p>
           <a:p>
             <a:pPr lvl="1"/>
             <a:r>
-              <a:rPr lang="hu-HU" smtClean="0"/>
+              <a:rPr lang="hu-HU"/>
               <a:t>Második szint</a:t>
             </a:r>
           </a:p>
           <a:p>
             <a:pPr lvl="2"/>
             <a:r>
-              <a:rPr lang="hu-HU" smtClean="0"/>
+              <a:rPr lang="hu-HU"/>
               <a:t>Harmadik szint</a:t>
             </a:r>
           </a:p>
           <a:p>
             <a:pPr lvl="3"/>
             <a:r>
-              <a:rPr lang="hu-HU" smtClean="0"/>
+              <a:rPr lang="hu-HU"/>
               <a:t>Negyedik szint</a:t>
             </a:r>
           </a:p>
           <a:p>
             <a:pPr lvl="4"/>
             <a:r>
-              <a:rPr lang="hu-HU" smtClean="0"/>
+              <a:rPr lang="hu-HU"/>
               <a:t>Ötödik szint</a:t>
             </a:r>
-            <a:endParaRPr lang="hu-HU"/>
           </a:p>
         </p:txBody>
       </p:sp>
@@ -2086,7 +2068,7 @@
           <a:p>
             <a:pPr lvl="0"/>
             <a:r>
-              <a:rPr lang="hu-HU" smtClean="0"/>
+              <a:rPr lang="hu-HU"/>
               <a:t>Mintaszöveg szerkesztése</a:t>
             </a:r>
           </a:p>
@@ -2109,7 +2091,7 @@
           <a:p>
             <a:fld id="{8E90581F-5849-4393-8E1C-6778FC0C68F2}" type="datetimeFigureOut">
               <a:rPr lang="hu-HU" smtClean="0"/>
-              <a:t>2021. 01. 18.</a:t>
+              <a:t>2021.01.19.</a:t>
             </a:fld>
             <a:endParaRPr lang="hu-HU"/>
           </a:p>
@@ -2212,10 +2194,9 @@
           </a:lstStyle>
           <a:p>
             <a:r>
-              <a:rPr lang="hu-HU" smtClean="0"/>
+              <a:rPr lang="hu-HU"/>
               <a:t>Mintacím szerkesztése</a:t>
             </a:r>
-            <a:endParaRPr lang="hu-HU"/>
           </a:p>
         </p:txBody>
       </p:sp>
@@ -2339,7 +2320,7 @@
           <a:p>
             <a:pPr lvl="0"/>
             <a:r>
-              <a:rPr lang="hu-HU" smtClean="0"/>
+              <a:rPr lang="hu-HU"/>
               <a:t>Mintaszöveg szerkesztése</a:t>
             </a:r>
           </a:p>
@@ -2362,7 +2343,7 @@
           <a:p>
             <a:fld id="{8E90581F-5849-4393-8E1C-6778FC0C68F2}" type="datetimeFigureOut">
               <a:rPr lang="hu-HU" smtClean="0"/>
-              <a:t>2021. 01. 18.</a:t>
+              <a:t>2021.01.19.</a:t>
             </a:fld>
             <a:endParaRPr lang="hu-HU"/>
           </a:p>
@@ -2471,10 +2452,9 @@
           <a:lstStyle/>
           <a:p>
             <a:r>
-              <a:rPr lang="hu-HU" smtClean="0"/>
+              <a:rPr lang="hu-HU"/>
               <a:t>Mintacím szerkesztése</a:t>
             </a:r>
-            <a:endParaRPr lang="hu-HU"/>
           </a:p>
         </p:txBody>
       </p:sp>
@@ -2505,38 +2485,37 @@
           <a:p>
             <a:pPr lvl="0"/>
             <a:r>
-              <a:rPr lang="hu-HU" smtClean="0"/>
+              <a:rPr lang="hu-HU"/>
               <a:t>Mintaszöveg szerkesztése</a:t>
             </a:r>
           </a:p>
           <a:p>
             <a:pPr lvl="1"/>
             <a:r>
-              <a:rPr lang="hu-HU" smtClean="0"/>
+              <a:rPr lang="hu-HU"/>
               <a:t>Második szint</a:t>
             </a:r>
           </a:p>
           <a:p>
             <a:pPr lvl="2"/>
             <a:r>
-              <a:rPr lang="hu-HU" smtClean="0"/>
+              <a:rPr lang="hu-HU"/>
               <a:t>Harmadik szint</a:t>
             </a:r>
           </a:p>
           <a:p>
             <a:pPr lvl="3"/>
             <a:r>
-              <a:rPr lang="hu-HU" smtClean="0"/>
+              <a:rPr lang="hu-HU"/>
               <a:t>Negyedik szint</a:t>
             </a:r>
           </a:p>
           <a:p>
             <a:pPr lvl="4"/>
             <a:r>
-              <a:rPr lang="hu-HU" smtClean="0"/>
+              <a:rPr lang="hu-HU"/>
               <a:t>Ötödik szint</a:t>
             </a:r>
-            <a:endParaRPr lang="hu-HU"/>
           </a:p>
         </p:txBody>
       </p:sp>
@@ -2575,7 +2554,7 @@
           <a:p>
             <a:fld id="{8E90581F-5849-4393-8E1C-6778FC0C68F2}" type="datetimeFigureOut">
               <a:rPr lang="hu-HU" smtClean="0"/>
-              <a:t>2021. 01. 18.</a:t>
+              <a:t>2021.01.19.</a:t>
             </a:fld>
             <a:endParaRPr lang="hu-HU"/>
           </a:p>
@@ -3147,10 +3126,9 @@
           <a:lstStyle/>
           <a:p>
             <a:r>
-              <a:rPr lang="hu-HU" dirty="0" smtClean="0"/>
+              <a:rPr lang="hu-HU" dirty="0"/>
               <a:t>Vizsga mintafeladatok</a:t>
             </a:r>
-            <a:endParaRPr lang="hu-HU" dirty="0"/>
           </a:p>
         </p:txBody>
       </p:sp>
@@ -3236,7 +3214,7 @@
               </a:lnSpc>
             </a:pPr>
             <a:r>
-              <a:rPr lang="hu-HU" dirty="0" smtClean="0"/>
+              <a:rPr lang="hu-HU" dirty="0"/>
               <a:t>Felmérő feladatok:</a:t>
             </a:r>
           </a:p>
@@ -3248,7 +3226,7 @@
               <a:buAutoNum type="arabicPeriod"/>
             </a:pPr>
             <a:r>
-              <a:rPr lang="hu-HU" dirty="0" smtClean="0"/>
+              <a:rPr lang="hu-HU" dirty="0"/>
               <a:t>Jelenítsük meg egy HTML táblázatban, hogy hány darab termék van az egyes operációs rendszerekkel ?</a:t>
             </a:r>
           </a:p>
@@ -3262,18 +3240,14 @@
             </a:pPr>
             <a:r>
               <a:rPr lang="hu-HU" dirty="0"/>
-              <a:t>Jelenítsük meg egy HTML táblázatban, hogy hány darab termék van az </a:t>
-            </a:r>
-            <a:r>
-              <a:rPr lang="hu-HU" dirty="0" smtClean="0"/>
-              <a:t>egyes </a:t>
-            </a:r>
-            <a:r>
-              <a:rPr lang="hu-HU" dirty="0" err="1" smtClean="0"/>
+              <a:t>Jelenítsük meg egy HTML táblázatban, hogy hány darab termék van az egyes </a:t>
+            </a:r>
+            <a:r>
+              <a:rPr lang="hu-HU" dirty="0" err="1"/>
               <a:t>proceszorokkal</a:t>
             </a:r>
             <a:r>
-              <a:rPr lang="hu-HU" dirty="0" smtClean="0"/>
+              <a:rPr lang="hu-HU" dirty="0"/>
               <a:t> ?</a:t>
             </a:r>
           </a:p>
@@ -3286,25 +3260,30 @@
               <a:buAutoNum type="arabicPeriod"/>
             </a:pPr>
             <a:r>
-              <a:rPr lang="hu-HU" dirty="0" smtClean="0"/>
+              <a:rPr lang="hu-HU" dirty="0"/>
               <a:t>Egy legördülő listában jelenítsük meg az operációs rendszereket, melyekből egyet ha kiválaszt a felhasználó, jelenítsük meg az ilyen </a:t>
             </a:r>
             <a:r>
-              <a:rPr lang="hu-HU" dirty="0" err="1" smtClean="0"/>
+              <a:rPr lang="hu-HU" dirty="0" err="1"/>
               <a:t>op.rendszerrel</a:t>
             </a:r>
             <a:r>
-              <a:rPr lang="hu-HU" dirty="0" smtClean="0"/>
+              <a:rPr lang="hu-HU" dirty="0"/>
               <a:t> rendelkező termékek </a:t>
             </a:r>
             <a:r>
-              <a:rPr lang="hu-HU" dirty="0" err="1" smtClean="0"/>
+              <a:rPr lang="hu-HU" dirty="0" err="1"/>
               <a:t>tipusát</a:t>
             </a:r>
             <a:r>
-              <a:rPr lang="hu-HU" dirty="0" smtClean="0"/>
-              <a:t>, egy számozott listában!</a:t>
-            </a:r>
+              <a:rPr lang="hu-HU" dirty="0"/>
+              <a:t>, egy számozott listában!(Tanárnőtől kérdezd </a:t>
+            </a:r>
+            <a:r>
+              <a:rPr lang="hu-HU"/>
+              <a:t>megoldás kettőt)</a:t>
+            </a:r>
+            <a:endParaRPr lang="hu-HU" dirty="0"/>
           </a:p>
           <a:p>
             <a:pPr marL="342900" indent="-342900">
@@ -3316,43 +3295,23 @@
             </a:pPr>
             <a:r>
               <a:rPr lang="hu-HU" dirty="0"/>
-              <a:t>Egy legördülő listában jelenítsük meg </a:t>
-            </a:r>
-            <a:r>
-              <a:rPr lang="hu-HU" dirty="0" smtClean="0"/>
-              <a:t>a processzorokat, </a:t>
-            </a:r>
-            <a:r>
-              <a:rPr lang="hu-HU" dirty="0"/>
-              <a:t>melyekből egyet ha kiválaszt a felhasználó, jelenítsük meg az ilyen </a:t>
-            </a:r>
-            <a:r>
-              <a:rPr lang="hu-HU" dirty="0" err="1" smtClean="0"/>
+              <a:t>Egy legördülő listában jelenítsük meg a processzorokat, melyekből egyet ha kiválaszt a felhasználó, jelenítsük meg az ilyen </a:t>
+            </a:r>
+            <a:r>
+              <a:rPr lang="hu-HU" dirty="0" err="1"/>
               <a:t>proceszorral</a:t>
             </a:r>
             <a:r>
-              <a:rPr lang="hu-HU" dirty="0" smtClean="0"/>
-              <a:t> </a:t>
-            </a:r>
-            <a:r>
-              <a:rPr lang="hu-HU" dirty="0"/>
-              <a:t>rendelkező termékek </a:t>
-            </a:r>
-            <a:r>
-              <a:rPr lang="hu-HU" dirty="0" err="1" smtClean="0"/>
+              <a:rPr lang="hu-HU" dirty="0"/>
+              <a:t> rendelkező termékek </a:t>
+            </a:r>
+            <a:r>
+              <a:rPr lang="hu-HU" dirty="0" err="1"/>
               <a:t>tipusát,gyártóját</a:t>
             </a:r>
             <a:r>
-              <a:rPr lang="hu-HU" dirty="0" smtClean="0"/>
-              <a:t> </a:t>
-            </a:r>
-            <a:r>
-              <a:rPr lang="hu-HU" dirty="0"/>
-              <a:t>egy </a:t>
-            </a:r>
-            <a:r>
-              <a:rPr lang="hu-HU" dirty="0" smtClean="0"/>
-              <a:t>táblázatban!</a:t>
+              <a:rPr lang="hu-HU" dirty="0"/>
+              <a:t> egy táblázatban!</a:t>
             </a:r>
           </a:p>
           <a:p>
@@ -3364,23 +3323,23 @@
               <a:buAutoNum type="arabicPeriod"/>
             </a:pPr>
             <a:r>
-              <a:rPr lang="hu-HU" dirty="0" smtClean="0"/>
+              <a:rPr lang="hu-HU" dirty="0"/>
               <a:t>Jelenítsük meg egy </a:t>
             </a:r>
             <a:r>
-              <a:rPr lang="hu-HU" dirty="0" err="1" smtClean="0"/>
+              <a:rPr lang="hu-HU" dirty="0" err="1"/>
               <a:t>html</a:t>
             </a:r>
             <a:r>
-              <a:rPr lang="hu-HU" dirty="0" smtClean="0"/>
+              <a:rPr lang="hu-HU" dirty="0"/>
               <a:t> táblázatban a legdrágább termék/termékek </a:t>
             </a:r>
             <a:r>
-              <a:rPr lang="hu-HU" dirty="0" err="1" smtClean="0"/>
+              <a:rPr lang="hu-HU" dirty="0" err="1"/>
               <a:t>tipusát</a:t>
             </a:r>
             <a:r>
-              <a:rPr lang="hu-HU" dirty="0" smtClean="0"/>
+              <a:rPr lang="hu-HU" dirty="0"/>
               <a:t>, gyártóját és árát!</a:t>
             </a:r>
           </a:p>
@@ -3394,35 +3353,15 @@
             </a:pPr>
             <a:r>
               <a:rPr lang="hu-HU" dirty="0"/>
-              <a:t>Egy legördülő listában jelenítsük meg </a:t>
-            </a:r>
-            <a:r>
-              <a:rPr lang="hu-HU" dirty="0" smtClean="0"/>
-              <a:t>az összes létező gyártót, </a:t>
-            </a:r>
-            <a:r>
-              <a:rPr lang="hu-HU" dirty="0"/>
-              <a:t>melyekből egyet ha kiválaszt a felhasználó, jelenítsük meg </a:t>
-            </a:r>
-            <a:r>
-              <a:rPr lang="hu-HU" dirty="0" smtClean="0"/>
-              <a:t>a hozzá tartozó termékek </a:t>
-            </a:r>
-            <a:r>
-              <a:rPr lang="hu-HU" dirty="0" err="1" smtClean="0"/>
+              <a:t>Egy legördülő listában jelenítsük meg az összes létező gyártót, melyekből egyet ha kiválaszt a felhasználó, jelenítsük meg a hozzá tartozó termékek </a:t>
+            </a:r>
+            <a:r>
+              <a:rPr lang="hu-HU" dirty="0" err="1"/>
               <a:t>tipusát</a:t>
             </a:r>
             <a:r>
-              <a:rPr lang="hu-HU" dirty="0" smtClean="0"/>
-              <a:t> </a:t>
-            </a:r>
-            <a:r>
-              <a:rPr lang="hu-HU" dirty="0"/>
-              <a:t>egy </a:t>
-            </a:r>
-            <a:r>
-              <a:rPr lang="hu-HU" dirty="0" smtClean="0"/>
-              <a:t>számozatlan listában!</a:t>
+              <a:rPr lang="hu-HU" dirty="0"/>
+              <a:t> egy számozatlan listában!</a:t>
             </a:r>
           </a:p>
           <a:p>
@@ -3434,15 +3373,15 @@
               <a:buAutoNum type="arabicPeriod"/>
             </a:pPr>
             <a:r>
-              <a:rPr lang="hu-HU" dirty="0" smtClean="0"/>
+              <a:rPr lang="hu-HU" dirty="0"/>
               <a:t>Egy űrlap segítségével valósítsuk meg egy új operációs rendszer bevezetését az </a:t>
             </a:r>
             <a:r>
-              <a:rPr lang="hu-HU" dirty="0" err="1" smtClean="0"/>
+              <a:rPr lang="hu-HU" dirty="0" err="1"/>
               <a:t>oprend</a:t>
             </a:r>
             <a:r>
-              <a:rPr lang="hu-HU" dirty="0" smtClean="0"/>
+              <a:rPr lang="hu-HU" dirty="0"/>
               <a:t> táblába!</a:t>
             </a:r>
           </a:p>
@@ -3456,21 +3395,16 @@
             </a:pPr>
             <a:r>
               <a:rPr lang="hu-HU" dirty="0"/>
-              <a:t>Egy űrlap segítségével valósítsuk meg egy </a:t>
-            </a:r>
-            <a:r>
-              <a:rPr lang="hu-HU" dirty="0" smtClean="0"/>
-              <a:t>új </a:t>
-            </a:r>
-            <a:r>
-              <a:rPr lang="hu-HU" dirty="0" err="1" smtClean="0"/>
+              <a:t>Egy űrlap segítségével valósítsuk meg egy új </a:t>
+            </a:r>
+            <a:r>
+              <a:rPr lang="hu-HU" dirty="0" err="1"/>
               <a:t>tipusú</a:t>
             </a:r>
             <a:r>
-              <a:rPr lang="hu-HU" dirty="0" smtClean="0"/>
+              <a:rPr lang="hu-HU" dirty="0"/>
               <a:t> processzor bevezetését a processzor táblába!</a:t>
             </a:r>
-            <a:endParaRPr lang="hu-HU" dirty="0"/>
           </a:p>
           <a:p>
             <a:pPr marL="342900" indent="-342900">
@@ -3565,14 +3499,13 @@
           <a:lstStyle/>
           <a:p>
             <a:r>
-              <a:rPr lang="hu-HU" dirty="0" smtClean="0"/>
+              <a:rPr lang="hu-HU" dirty="0"/>
               <a:t>Feladat: </a:t>
             </a:r>
             <a:r>
-              <a:rPr lang="hu-HU" b="1" dirty="0" smtClean="0"/>
+              <a:rPr lang="hu-HU" b="1" dirty="0"/>
               <a:t>Osztók</a:t>
             </a:r>
-            <a:endParaRPr lang="hu-HU" b="1" dirty="0"/>
           </a:p>
         </p:txBody>
       </p:sp>
@@ -3694,12 +3627,8 @@
           <a:lstStyle/>
           <a:p>
             <a:r>
-              <a:rPr lang="hu-HU" dirty="0" smtClean="0"/>
-              <a:t>Készítsen </a:t>
-            </a:r>
-            <a:r>
-              <a:rPr lang="hu-HU" dirty="0"/>
-              <a:t>a teljes adatbázisról másolatot exportálással!</a:t>
+              <a:rPr lang="hu-HU" dirty="0"/>
+              <a:t>Készítsen a teljes adatbázisról másolatot exportálással!</a:t>
             </a:r>
           </a:p>
         </p:txBody>
@@ -3782,12 +3711,8 @@
               <a:buAutoNum type="arabicPeriod"/>
             </a:pPr>
             <a:r>
-              <a:rPr lang="hu-HU" dirty="0" smtClean="0"/>
-              <a:t>Prímszám-e</a:t>
-            </a:r>
-            <a:r>
-              <a:rPr lang="hu-HU" dirty="0"/>
-              <a:t>: a felhasználó által bekért számról kiírja, hogy prímszám-e.</a:t>
+              <a:rPr lang="hu-HU" dirty="0"/>
+              <a:t>Prímszám-e: a felhasználó által bekért számról kiírja, hogy prímszám-e.</a:t>
             </a:r>
           </a:p>
           <a:p>
@@ -3799,12 +3724,8 @@
               <a:buAutoNum type="arabicPeriod"/>
             </a:pPr>
             <a:r>
-              <a:rPr lang="hu-HU" dirty="0" smtClean="0"/>
-              <a:t>Feltöltés</a:t>
-            </a:r>
-            <a:r>
-              <a:rPr lang="hu-HU" dirty="0"/>
-              <a:t>: a felhasználó által megadott egész szám osztóit meghatározza. Ha még nincs az adatbázisban, akkor kiszámolja és eltárolja a megfelelő táblákban. Tárolásnál az egyes osztóknál azt is eltárolja, hogy az prímszám-e vagy sem. Ha a megadott szám már benne van az adatbázisban, akkor jelzi, hogy az a szám már feltöltésre került.</a:t>
+              <a:rPr lang="hu-HU" dirty="0"/>
+              <a:t>Feltöltés: a felhasználó által megadott egész szám osztóit meghatározza. Ha még nincs az adatbázisban, akkor kiszámolja és eltárolja a megfelelő táblákban. Tárolásnál az egyes osztóknál azt is eltárolja, hogy az prímszám-e vagy sem. Ha a megadott szám már benne van az adatbázisban, akkor jelzi, hogy az a szám már feltöltésre került.</a:t>
             </a:r>
           </a:p>
           <a:p>
@@ -3816,12 +3737,8 @@
               <a:buAutoNum type="arabicPeriod"/>
             </a:pPr>
             <a:r>
-              <a:rPr lang="hu-HU" dirty="0" smtClean="0"/>
-              <a:t>Kiíratás</a:t>
-            </a:r>
-            <a:r>
-              <a:rPr lang="hu-HU" dirty="0"/>
-              <a:t>: a felhasználó által megadott szám osztóit kiírja vesszővel elválasztva. Ha az adott szám már benne van az adatbázisban, csak akkor történik a kiíratás. Ha még nincs az adatbázisban, akkor hibaüzenet, hogy az a szám még nincs feltöltve.</a:t>
+              <a:rPr lang="hu-HU" dirty="0"/>
+              <a:t>Kiíratás: a felhasználó által megadott szám osztóit kiírja vesszővel elválasztva. Ha az adott szám már benne van az adatbázisban, csak akkor történik a kiíratás. Ha még nincs az adatbázisban, akkor hibaüzenet, hogy az a szám még nincs feltöltve.</a:t>
             </a:r>
           </a:p>
           <a:p>
@@ -3833,12 +3750,8 @@
               <a:buAutoNum type="arabicPeriod"/>
             </a:pPr>
             <a:r>
-              <a:rPr lang="hu-HU" dirty="0" smtClean="0"/>
-              <a:t>Prímszámok </a:t>
-            </a:r>
-            <a:r>
-              <a:rPr lang="hu-HU" dirty="0"/>
-              <a:t>listája: a felhasználó által megadott alsó és felső határszámok közötti prímszámokat írja ki az adatbázisból, tehát csak a már feltöltött prímosztókat, és mindegyiket csak egyszer.</a:t>
+              <a:rPr lang="hu-HU" dirty="0"/>
+              <a:t>Prímszámok listája: a felhasználó által megadott alsó és felső határszámok közötti prímszámokat írja ki az adatbázisból, tehát csak a már feltöltött prímosztókat, és mindegyiket csak egyszer.</a:t>
             </a:r>
           </a:p>
           <a:p>
@@ -3850,12 +3763,8 @@
               <a:buAutoNum type="arabicPeriod"/>
             </a:pPr>
             <a:r>
-              <a:rPr lang="hu-HU" dirty="0" smtClean="0"/>
-              <a:t>Statisztika</a:t>
-            </a:r>
-            <a:r>
-              <a:rPr lang="hu-HU" dirty="0"/>
-              <a:t>: készítsen statisztikát, hogy a már feltöltött számok esetében melyik osztó hányszor szerepel az osztók között. A statisztika darabszám szerinti csökkenő sorrendben jelenjen meg.</a:t>
+              <a:rPr lang="hu-HU" dirty="0"/>
+              <a:t>Statisztika: készítsen statisztikát, hogy a már feltöltött számok esetében melyik osztó hányszor szerepel az osztók között. A statisztika darabszám szerinti csökkenő sorrendben jelenjen meg.</a:t>
             </a:r>
           </a:p>
           <a:p>
@@ -3867,12 +3776,8 @@
               <a:buAutoNum type="arabicPeriod"/>
             </a:pPr>
             <a:r>
-              <a:rPr lang="hu-HU" dirty="0" smtClean="0"/>
-              <a:t>Törlés</a:t>
-            </a:r>
-            <a:r>
-              <a:rPr lang="hu-HU" dirty="0"/>
-              <a:t>: a felhasználó által megadott szám törlése az adatbázisból (a számot is és annak osztóit is).</a:t>
+              <a:rPr lang="hu-HU" dirty="0"/>
+              <a:t>Törlés: a felhasználó által megadott szám törlése az adatbázisból (a számot is és annak osztóit is).</a:t>
             </a:r>
           </a:p>
         </p:txBody>
@@ -3929,26 +3834,25 @@
           <a:lstStyle/>
           <a:p>
             <a:r>
-              <a:rPr lang="hu-HU" dirty="0" smtClean="0"/>
+              <a:rPr lang="hu-HU" dirty="0"/>
               <a:t>Ismétlés:</a:t>
             </a:r>
             <a:r>
-              <a:rPr lang="hu-HU" b="1" dirty="0" smtClean="0"/>
+              <a:rPr lang="hu-HU" b="1" dirty="0"/>
               <a:t> </a:t>
             </a:r>
             <a:r>
-              <a:rPr lang="hu-HU" b="1" dirty="0" err="1" smtClean="0"/>
+              <a:rPr lang="hu-HU" b="1" dirty="0" err="1"/>
               <a:t>Menüvezérelt</a:t>
             </a:r>
             <a:r>
-              <a:rPr lang="hu-HU" b="1" dirty="0" smtClean="0"/>
+              <a:rPr lang="hu-HU" b="1" dirty="0"/>
               <a:t> </a:t>
             </a:r>
             <a:r>
-              <a:rPr lang="hu-HU" dirty="0" smtClean="0"/>
+              <a:rPr lang="hu-HU" dirty="0"/>
               <a:t>weboldal készítése PHP segítségével</a:t>
             </a:r>
-            <a:endParaRPr lang="hu-HU" dirty="0"/>
           </a:p>
         </p:txBody>
       </p:sp>
@@ -4052,10 +3956,9 @@
           <a:lstStyle/>
           <a:p>
             <a:r>
-              <a:rPr lang="hu-HU" sz="1400" b="1" dirty="0" smtClean="0"/>
+              <a:rPr lang="hu-HU" sz="1400" b="1" dirty="0"/>
               <a:t>Ismétlés: az aktív menü megjelenítése</a:t>
             </a:r>
-            <a:endParaRPr lang="hu-HU" sz="1400" b="1" dirty="0"/>
           </a:p>
         </p:txBody>
       </p:sp>
@@ -4123,21 +4026,16 @@
             </a:r>
             <a:r>
               <a:rPr lang="hu-HU" sz="1400" dirty="0"/>
-              <a:t> = </a:t>
-            </a:r>
-            <a:r>
-              <a:rPr lang="hu-HU" sz="1400" dirty="0" smtClean="0"/>
-              <a:t>'</a:t>
-            </a:r>
-            <a:r>
-              <a:rPr lang="hu-HU" sz="1400" dirty="0" err="1" smtClean="0"/>
+              <a:t> = '</a:t>
+            </a:r>
+            <a:r>
+              <a:rPr lang="hu-HU" sz="1400" dirty="0" err="1"/>
               <a:t>adatbazisNev</a:t>
             </a:r>
             <a:r>
-              <a:rPr lang="hu-HU" sz="1400" dirty="0" smtClean="0"/>
+              <a:rPr lang="hu-HU" sz="1400" dirty="0"/>
               <a:t>';</a:t>
             </a:r>
-            <a:endParaRPr lang="hu-HU" sz="1400" dirty="0"/>
           </a:p>
           <a:p>
             <a:r>
@@ -4370,18 +4268,13 @@
           <a:lstStyle/>
           <a:p>
             <a:r>
-              <a:rPr lang="hu-HU" dirty="0" smtClean="0">
+              <a:rPr lang="hu-HU" dirty="0">
                 <a:solidFill>
                   <a:srgbClr val="00B0F0"/>
                 </a:solidFill>
               </a:rPr>
               <a:t>Adatbázis kapcsolódás</a:t>
             </a:r>
-            <a:endParaRPr lang="hu-HU" dirty="0">
-              <a:solidFill>
-                <a:srgbClr val="00B0F0"/>
-              </a:solidFill>
-            </a:endParaRPr>
           </a:p>
         </p:txBody>
       </p:sp>
@@ -4466,23 +4359,23 @@
               </a:lnSpc>
             </a:pPr>
             <a:r>
-              <a:rPr lang="hu-HU" dirty="0" smtClean="0"/>
+              <a:rPr lang="hu-HU" dirty="0"/>
               <a:t>Adott egy </a:t>
             </a:r>
             <a:r>
-              <a:rPr lang="hu-HU" b="1" dirty="0" smtClean="0"/>
+              <a:rPr lang="hu-HU" b="1" dirty="0"/>
               <a:t>notebook </a:t>
             </a:r>
             <a:r>
-              <a:rPr lang="hu-HU" dirty="0" smtClean="0"/>
+              <a:rPr lang="hu-HU" dirty="0"/>
               <a:t>adatbázis, amit a </a:t>
             </a:r>
             <a:r>
-              <a:rPr lang="hu-HU" dirty="0" err="1" smtClean="0"/>
+              <a:rPr lang="hu-HU" dirty="0" err="1"/>
               <a:t>notebook.sql</a:t>
             </a:r>
             <a:r>
-              <a:rPr lang="hu-HU" dirty="0" smtClean="0"/>
+              <a:rPr lang="hu-HU" dirty="0"/>
               <a:t> fájlból importálva tud majd használni (utf8 illesztés szükséges).</a:t>
             </a:r>
           </a:p>
@@ -4493,12 +4386,8 @@
               </a:lnSpc>
             </a:pPr>
             <a:r>
-              <a:rPr lang="hu-HU" dirty="0" smtClean="0"/>
-              <a:t>Az </a:t>
-            </a:r>
-            <a:r>
-              <a:rPr lang="hu-HU" dirty="0"/>
-              <a:t>adatbázishoz készítsen </a:t>
+              <a:rPr lang="hu-HU" dirty="0"/>
+              <a:t>Az adatbázishoz készítsen </a:t>
             </a:r>
             <a:r>
               <a:rPr lang="hu-HU" b="1" dirty="0" err="1"/>
@@ -4522,12 +4411,8 @@
               <a:buAutoNum type="arabicPeriod"/>
             </a:pPr>
             <a:r>
-              <a:rPr lang="hu-HU" dirty="0" smtClean="0"/>
-              <a:t>Összérték</a:t>
-            </a:r>
-            <a:r>
-              <a:rPr lang="hu-HU" dirty="0"/>
-              <a:t>: Mennyi a raktáron lévő gépek összértéke?</a:t>
+              <a:rPr lang="hu-HU" dirty="0"/>
+              <a:t>Összérték: Mennyi a raktáron lévő gépek összértéke?</a:t>
             </a:r>
           </a:p>
           <a:p>
@@ -4539,12 +4424,8 @@
               <a:buAutoNum type="arabicPeriod"/>
             </a:pPr>
             <a:r>
-              <a:rPr lang="hu-HU" dirty="0" smtClean="0"/>
-              <a:t>RAM</a:t>
-            </a:r>
-            <a:r>
-              <a:rPr lang="hu-HU" dirty="0"/>
-              <a:t>: </a:t>
+              <a:rPr lang="hu-HU" dirty="0"/>
+              <a:t>RAM: </a:t>
             </a:r>
             <a:r>
               <a:rPr lang="hu-HU" dirty="0" err="1"/>
@@ -4560,13 +4441,8 @@
             </a:r>
             <a:r>
               <a:rPr lang="hu-HU" dirty="0"/>
-              <a:t> rendelkező gépek gyártóját és típusát! A RAM értékét </a:t>
-            </a:r>
-            <a:r>
-              <a:rPr lang="hu-HU" dirty="0" smtClean="0"/>
-              <a:t>a felhasználó válassza ki 1GB és 8 GB közötti érték lehet!</a:t>
-            </a:r>
-            <a:endParaRPr lang="hu-HU" dirty="0"/>
+              <a:t> rendelkező gépek gyártóját és típusát! A RAM értékét a felhasználó válassza ki 1GB és 8 GB közötti érték lehet!</a:t>
+            </a:r>
           </a:p>
           <a:p>
             <a:pPr marL="800100" lvl="1" indent="-342900">
@@ -4577,12 +4453,8 @@
               <a:buAutoNum type="arabicPeriod"/>
             </a:pPr>
             <a:r>
-              <a:rPr lang="hu-HU" dirty="0" smtClean="0"/>
-              <a:t>Ár</a:t>
-            </a:r>
-            <a:r>
-              <a:rPr lang="hu-HU" dirty="0"/>
-              <a:t>: </a:t>
+              <a:rPr lang="hu-HU" dirty="0"/>
+              <a:t>Ár: </a:t>
             </a:r>
             <a:r>
               <a:rPr lang="hu-HU" dirty="0" err="1"/>
@@ -4602,34 +4474,17 @@
               <a:buAutoNum type="arabicPeriod"/>
             </a:pPr>
             <a:r>
-              <a:rPr lang="hu-HU" b="1" dirty="0" smtClean="0"/>
-              <a:t>Beszerzés</a:t>
-            </a:r>
-            <a:r>
               <a:rPr lang="hu-HU" b="1" dirty="0"/>
-              <a:t>:</a:t>
-            </a:r>
-            <a:r>
-              <a:rPr lang="hu-HU" dirty="0"/>
-              <a:t> Egy beszerzés történt, azokat a gépekből, melyek nincsenek raktáron, a cég vásárolt x darabot. </a:t>
-            </a:r>
-            <a:r>
-              <a:rPr lang="hu-HU" dirty="0" smtClean="0"/>
-              <a:t>Egy legördülő listában jelenjenek meg azok a termékek melyek nincsenek raktáron. Majd ezekből kiválasztva egyet kérje </a:t>
-            </a:r>
-            <a:r>
-              <a:rPr lang="hu-HU" dirty="0"/>
-              <a:t>be </a:t>
-            </a:r>
-            <a:r>
-              <a:rPr lang="hu-HU" dirty="0" smtClean="0"/>
-              <a:t>a felhasználótól a vásárolt darabszámot és mentse el az adatbázisban!(</a:t>
-            </a:r>
-            <a:r>
-              <a:rPr lang="hu-HU" b="1" dirty="0" smtClean="0"/>
+              <a:t>Beszerzés:</a:t>
+            </a:r>
+            <a:r>
+              <a:rPr lang="hu-HU" dirty="0"/>
+              <a:t> Egy beszerzés történt, azokat a gépekből, melyek nincsenek raktáron, a cég vásárolt x darabot. Egy legördülő listában jelenjenek meg azok a termékek melyek nincsenek raktáron. Majd ezekből kiválasztva egyet kérje be a felhasználótól a vásárolt darabszámot és mentse el az adatbázisban!(</a:t>
+            </a:r>
+            <a:r>
+              <a:rPr lang="hu-HU" b="1" dirty="0"/>
               <a:t>update)</a:t>
             </a:r>
-            <a:endParaRPr lang="hu-HU" b="1" dirty="0"/>
           </a:p>
           <a:p>
             <a:pPr marL="800100" lvl="1" indent="-342900">
@@ -4640,26 +4495,21 @@
               <a:buAutoNum type="arabicPeriod"/>
             </a:pPr>
             <a:r>
-              <a:rPr lang="hu-HU" b="1" dirty="0" smtClean="0"/>
+              <a:rPr lang="hu-HU" b="1" dirty="0"/>
               <a:t>Selejtezés</a:t>
             </a:r>
             <a:r>
               <a:rPr lang="hu-HU" dirty="0"/>
-              <a:t>: Csoportos selejtezés történt a notebookok </a:t>
-            </a:r>
-            <a:r>
-              <a:rPr lang="hu-HU" dirty="0" smtClean="0"/>
-              <a:t>terén. Kiválasztva egy processzor típust,  a cég le szeretné selejtezni azokat a notebookokat melyek a megadott processzor típussal rendelkeznek, a darabszámukat 0-ra kell állítani. </a:t>
-            </a:r>
-            <a:r>
-              <a:rPr lang="hu-HU" b="1" dirty="0" smtClean="0"/>
+              <a:t>: Csoportos selejtezés történt a notebookok terén. Kiválasztva egy processzor típust,  a cég le szeretné selejtezni azokat a notebookokat melyek a megadott processzor típussal rendelkeznek, a darabszámukat 0-ra kell állítani. </a:t>
+            </a:r>
+            <a:r>
+              <a:rPr lang="hu-HU" b="1" dirty="0"/>
               <a:t>(update) . </a:t>
             </a:r>
             <a:r>
-              <a:rPr lang="hu-HU" dirty="0" smtClean="0"/>
+              <a:rPr lang="hu-HU" dirty="0"/>
               <a:t>Jelenítsük meg a leselejtezett termékeket típusát és darab számait.</a:t>
             </a:r>
-            <a:endParaRPr lang="hu-HU" dirty="0"/>
           </a:p>
           <a:p>
             <a:pPr marL="800100" lvl="1" indent="-342900">
@@ -4670,54 +4520,29 @@
               <a:buAutoNum type="arabicPeriod"/>
             </a:pPr>
             <a:r>
-              <a:rPr lang="hu-HU" b="1" dirty="0" smtClean="0"/>
-              <a:t>Törlés</a:t>
-            </a:r>
-            <a:r>
               <a:rPr lang="hu-HU" b="1" dirty="0"/>
-              <a:t>: </a:t>
-            </a:r>
-            <a:r>
-              <a:rPr lang="hu-HU" dirty="0"/>
-              <a:t>Törölje </a:t>
-            </a:r>
-            <a:r>
-              <a:rPr lang="hu-HU" dirty="0" smtClean="0"/>
-              <a:t>a raktárból azokat </a:t>
-            </a:r>
-            <a:r>
-              <a:rPr lang="hu-HU" dirty="0"/>
-              <a:t>a gépeket, melyek </a:t>
-            </a:r>
-            <a:r>
-              <a:rPr lang="hu-HU" dirty="0" smtClean="0"/>
-              <a:t>operációs rendszere nem megfelelő, elavult. Egy legördülő listában ki lehessen választani az operációs rendszert, és ha van ilyen notebook, akkor </a:t>
-            </a:r>
-            <a:r>
-              <a:rPr lang="hu-HU" dirty="0" err="1" smtClean="0"/>
+              <a:t>Törlés: </a:t>
+            </a:r>
+            <a:r>
+              <a:rPr lang="hu-HU" dirty="0"/>
+              <a:t>Törölje a raktárból azokat a gépeket, melyek operációs rendszere nem megfelelő, elavult. Egy legördülő listában ki lehessen választani az operációs rendszert, és ha van ilyen notebook, akkor </a:t>
+            </a:r>
+            <a:r>
+              <a:rPr lang="hu-HU" dirty="0" err="1"/>
               <a:t>törlödjön</a:t>
             </a:r>
             <a:r>
-              <a:rPr lang="hu-HU" dirty="0" smtClean="0"/>
-              <a:t>. A </a:t>
-            </a:r>
-            <a:r>
-              <a:rPr lang="hu-HU" dirty="0"/>
-              <a:t>törlés előtt kérjen megerősítést! A törölt gépek adatait tárolja el egy archív táblába</a:t>
-            </a:r>
-            <a:r>
-              <a:rPr lang="hu-HU" dirty="0" smtClean="0"/>
-              <a:t>!(</a:t>
-            </a:r>
-            <a:r>
-              <a:rPr lang="hu-HU" b="1" dirty="0" err="1" smtClean="0"/>
+              <a:rPr lang="hu-HU" dirty="0"/>
+              <a:t>. A törlés előtt kérjen megerősítést! A törölt gépek adatait tárolja el egy archív táblába!(</a:t>
+            </a:r>
+            <a:r>
+              <a:rPr lang="hu-HU" b="1" dirty="0" err="1"/>
               <a:t>delete</a:t>
             </a:r>
             <a:r>
-              <a:rPr lang="hu-HU" b="1" dirty="0" smtClean="0"/>
+              <a:rPr lang="hu-HU" b="1" dirty="0"/>
               <a:t>)</a:t>
             </a:r>
-            <a:endParaRPr lang="hu-HU" b="1" dirty="0"/>
           </a:p>
         </p:txBody>
       </p:sp>
@@ -4744,10 +4569,9 @@
           <a:lstStyle/>
           <a:p>
             <a:r>
-              <a:rPr lang="hu-HU" b="1" dirty="0" smtClean="0"/>
+              <a:rPr lang="hu-HU" b="1" dirty="0"/>
               <a:t>NOTEBOOK</a:t>
             </a:r>
-            <a:endParaRPr lang="hu-HU" b="1" dirty="0"/>
           </a:p>
         </p:txBody>
       </p:sp>
@@ -4935,10 +4759,9 @@
           <a:lstStyle/>
           <a:p>
             <a:r>
-              <a:rPr lang="hu-HU" dirty="0" smtClean="0"/>
+              <a:rPr lang="hu-HU" dirty="0"/>
               <a:t>Feladat 1</a:t>
             </a:r>
-            <a:endParaRPr lang="hu-HU" dirty="0"/>
           </a:p>
         </p:txBody>
       </p:sp>
@@ -4965,10 +4788,9 @@
           <a:lstStyle/>
           <a:p>
             <a:r>
-              <a:rPr lang="hu-HU" dirty="0" smtClean="0"/>
+              <a:rPr lang="hu-HU" dirty="0"/>
               <a:t>Feladat 2</a:t>
             </a:r>
-            <a:endParaRPr lang="hu-HU" dirty="0"/>
           </a:p>
         </p:txBody>
       </p:sp>
@@ -5049,10 +4871,9 @@
           <a:lstStyle/>
           <a:p>
             <a:r>
-              <a:rPr lang="hu-HU" dirty="0" smtClean="0"/>
+              <a:rPr lang="hu-HU" dirty="0"/>
               <a:t>Feladat 3</a:t>
             </a:r>
-            <a:endParaRPr lang="hu-HU" dirty="0"/>
           </a:p>
         </p:txBody>
       </p:sp>
@@ -5157,10 +4978,9 @@
           <a:lstStyle/>
           <a:p>
             <a:r>
-              <a:rPr lang="hu-HU" b="1" dirty="0" smtClean="0"/>
+              <a:rPr lang="hu-HU" b="1" dirty="0"/>
               <a:t>Feladat 4.</a:t>
             </a:r>
-            <a:endParaRPr lang="hu-HU" b="1" dirty="0"/>
           </a:p>
         </p:txBody>
       </p:sp>
@@ -5241,10 +5061,9 @@
           <a:lstStyle/>
           <a:p>
             <a:r>
-              <a:rPr lang="hu-HU" dirty="0" smtClean="0"/>
+              <a:rPr lang="hu-HU" dirty="0"/>
               <a:t>Feladat 5.</a:t>
             </a:r>
-            <a:endParaRPr lang="hu-HU" dirty="0"/>
           </a:p>
         </p:txBody>
       </p:sp>
